--- a/Other/Prototype/Prototype Model presentation.pptx
+++ b/Other/Prototype/Prototype Model presentation.pptx
@@ -481,7 +481,7 @@
           <a:p>
             <a:fld id="{048613E9-AFCA-4E58-9085-5AD31D644CEE}" type="datetimeFigureOut">
               <a:rPr lang="en-US" smtClean="0"/>
-              <a:t>23/05/2018</a:t>
+              <a:t>3/07/2018</a:t>
             </a:fld>
             <a:endParaRPr lang="en-US"/>
           </a:p>
@@ -728,7 +728,7 @@
           <a:p>
             <a:fld id="{048613E9-AFCA-4E58-9085-5AD31D644CEE}" type="datetimeFigureOut">
               <a:rPr lang="en-US" smtClean="0"/>
-              <a:t>23/05/2018</a:t>
+              <a:t>3/07/2018</a:t>
             </a:fld>
             <a:endParaRPr lang="en-US"/>
           </a:p>
@@ -1114,7 +1114,7 @@
           <a:p>
             <a:fld id="{048613E9-AFCA-4E58-9085-5AD31D644CEE}" type="datetimeFigureOut">
               <a:rPr lang="en-US" smtClean="0"/>
-              <a:t>23/05/2018</a:t>
+              <a:t>3/07/2018</a:t>
             </a:fld>
             <a:endParaRPr lang="en-US"/>
           </a:p>
@@ -1343,7 +1343,7 @@
           <a:p>
             <a:fld id="{048613E9-AFCA-4E58-9085-5AD31D644CEE}" type="datetimeFigureOut">
               <a:rPr lang="en-US" smtClean="0"/>
-              <a:t>23/05/2018</a:t>
+              <a:t>3/07/2018</a:t>
             </a:fld>
             <a:endParaRPr lang="en-US"/>
           </a:p>
@@ -1826,7 +1826,7 @@
           <a:p>
             <a:fld id="{048613E9-AFCA-4E58-9085-5AD31D644CEE}" type="datetimeFigureOut">
               <a:rPr lang="en-US" smtClean="0"/>
-              <a:t>23/05/2018</a:t>
+              <a:t>3/07/2018</a:t>
             </a:fld>
             <a:endParaRPr lang="en-US"/>
           </a:p>
@@ -2136,7 +2136,7 @@
           <a:p>
             <a:fld id="{048613E9-AFCA-4E58-9085-5AD31D644CEE}" type="datetimeFigureOut">
               <a:rPr lang="en-US" smtClean="0"/>
-              <a:t>23/05/2018</a:t>
+              <a:t>3/07/2018</a:t>
             </a:fld>
             <a:endParaRPr lang="en-US"/>
           </a:p>
@@ -2532,7 +2532,7 @@
           <a:p>
             <a:fld id="{048613E9-AFCA-4E58-9085-5AD31D644CEE}" type="datetimeFigureOut">
               <a:rPr lang="en-US" smtClean="0"/>
-              <a:t>23/05/2018</a:t>
+              <a:t>3/07/2018</a:t>
             </a:fld>
             <a:endParaRPr lang="en-US"/>
           </a:p>
@@ -2655,7 +2655,7 @@
           <a:p>
             <a:fld id="{048613E9-AFCA-4E58-9085-5AD31D644CEE}" type="datetimeFigureOut">
               <a:rPr lang="en-US" smtClean="0"/>
-              <a:t>23/05/2018</a:t>
+              <a:t>3/07/2018</a:t>
             </a:fld>
             <a:endParaRPr lang="en-US"/>
           </a:p>
@@ -2750,7 +2750,7 @@
           <a:p>
             <a:fld id="{048613E9-AFCA-4E58-9085-5AD31D644CEE}" type="datetimeFigureOut">
               <a:rPr lang="en-US" smtClean="0"/>
-              <a:t>23/05/2018</a:t>
+              <a:t>3/07/2018</a:t>
             </a:fld>
             <a:endParaRPr lang="en-US"/>
           </a:p>
@@ -3050,7 +3050,7 @@
           <a:p>
             <a:fld id="{048613E9-AFCA-4E58-9085-5AD31D644CEE}" type="datetimeFigureOut">
               <a:rPr lang="en-US" smtClean="0"/>
-              <a:t>23/05/2018</a:t>
+              <a:t>3/07/2018</a:t>
             </a:fld>
             <a:endParaRPr lang="en-US"/>
           </a:p>
@@ -3320,7 +3320,7 @@
           <a:p>
             <a:fld id="{048613E9-AFCA-4E58-9085-5AD31D644CEE}" type="datetimeFigureOut">
               <a:rPr lang="en-US" smtClean="0"/>
-              <a:t>23/05/2018</a:t>
+              <a:t>3/07/2018</a:t>
             </a:fld>
             <a:endParaRPr lang="en-US"/>
           </a:p>
@@ -3735,7 +3735,7 @@
           <a:p>
             <a:fld id="{048613E9-AFCA-4E58-9085-5AD31D644CEE}" type="datetimeFigureOut">
               <a:rPr lang="en-US" smtClean="0"/>
-              <a:t>23/05/2018</a:t>
+              <a:t>3/07/2018</a:t>
             </a:fld>
             <a:endParaRPr lang="en-US"/>
           </a:p>
@@ -4291,72 +4291,332 @@
           <a:lstStyle/>
           <a:p>
             <a:r>
-              <a:rPr lang="en-US" smtClean="0"/>
+              <a:rPr lang="en-US" dirty="0" smtClean="0"/>
               <a:t>– </a:t>
             </a:r>
             <a:r>
-              <a:rPr lang="en-US"/>
+              <a:rPr lang="en-US" dirty="0"/>
               <a:t>Nhóm </a:t>
             </a:r>
             <a:r>
-              <a:rPr lang="en-US" smtClean="0"/>
+              <a:rPr lang="en-US" dirty="0" smtClean="0"/>
               <a:t>17 –</a:t>
             </a:r>
           </a:p>
           <a:p>
-            <a:endParaRPr lang="en-US" smtClean="0"/>
-          </a:p>
-          <a:p>
-            <a:r>
-              <a:rPr lang="en-US" sz="2400"/>
-              <a:t>Lê Văn Pa </a:t>
-            </a:r>
-            <a:r>
-              <a:rPr lang="en-US" sz="2400"/>
-              <a:t>	</a:t>
-            </a:r>
-            <a:r>
-              <a:rPr lang="en-US" sz="2400" smtClean="0"/>
-              <a:t>	</a:t>
-            </a:r>
-            <a:r>
-              <a:rPr lang="en-US" sz="2400" smtClean="0"/>
-              <a:t> –    15520596</a:t>
-            </a:r>
-            <a:endParaRPr lang="en-US" sz="2400"/>
-          </a:p>
-          <a:p>
-            <a:r>
-              <a:rPr lang="en-US" sz="2400" smtClean="0"/>
-              <a:t>Trịnh Gia  Thanh 	</a:t>
-            </a:r>
-            <a:r>
-              <a:rPr lang="en-US" sz="2400" smtClean="0"/>
-              <a:t> –    15520806</a:t>
-            </a:r>
-            <a:endParaRPr lang="en-US" sz="2400" smtClean="0"/>
-          </a:p>
-          <a:p>
-            <a:r>
-              <a:rPr lang="en-US" sz="2400" smtClean="0"/>
-              <a:t>Nguyễn Đức </a:t>
-            </a:r>
-            <a:r>
-              <a:rPr lang="en-US" sz="2400" smtClean="0"/>
-              <a:t>Tuấn 	 –    16521546</a:t>
-            </a:r>
-            <a:endParaRPr lang="en-US" sz="2400" smtClean="0"/>
-          </a:p>
-          <a:p>
-            <a:r>
-              <a:rPr lang="en-US" sz="2400" smtClean="0"/>
-              <a:t>Trương Văn Nhất </a:t>
-            </a:r>
-            <a:r>
-              <a:rPr lang="en-US" sz="2400" smtClean="0"/>
-              <a:t>	 –    16521759</a:t>
-            </a:r>
-            <a:endParaRPr lang="en-US" sz="2400"/>
+            <a:endParaRPr lang="en-US" dirty="0" smtClean="0"/>
+          </a:p>
+          <a:p>
+            <a:r>
+              <a:rPr lang="en-US" sz="2400" dirty="0"/>
+              <a:t>Lê Văn Pa 	</a:t>
+            </a:r>
+            <a:r>
+              <a:rPr lang="en-US" sz="2400" dirty="0" smtClean="0"/>
+              <a:t>	 </a:t>
+            </a:r>
+            <a:r>
+              <a:rPr lang="en-US" sz="2400" dirty="0" smtClean="0">
+                <a:latin typeface="Arial" panose="020B0604020202020204" pitchFamily="34" charset="0"/>
+                <a:cs typeface="Arial" panose="020B0604020202020204" pitchFamily="34" charset="0"/>
+              </a:rPr>
+              <a:t>–   </a:t>
+            </a:r>
+            <a:r>
+              <a:rPr lang="en-US" sz="2400" dirty="0" smtClean="0">
+                <a:latin typeface="Arial" panose="020B0604020202020204" pitchFamily="34" charset="0"/>
+                <a:cs typeface="Arial" panose="020B0604020202020204" pitchFamily="34" charset="0"/>
+              </a:rPr>
+              <a:t>15520596</a:t>
+            </a:r>
+            <a:endParaRPr lang="en-US" sz="2400" dirty="0">
+              <a:latin typeface="Arial" panose="020B0604020202020204" pitchFamily="34" charset="0"/>
+              <a:cs typeface="Arial" panose="020B0604020202020204" pitchFamily="34" charset="0"/>
+            </a:endParaRPr>
+          </a:p>
+          <a:p>
+            <a:r>
+              <a:rPr lang="en-US" sz="2400" dirty="0" smtClean="0"/>
+              <a:t>Trịnh Gia  Thanh 	 –    </a:t>
+            </a:r>
+            <a:r>
+              <a:rPr lang="en-US" sz="2400" dirty="0" smtClean="0">
+                <a:latin typeface="Arial" panose="020B0604020202020204" pitchFamily="34" charset="0"/>
+                <a:cs typeface="Arial" panose="020B0604020202020204" pitchFamily="34" charset="0"/>
+              </a:rPr>
+              <a:t>15520806</a:t>
+            </a:r>
+          </a:p>
+          <a:p>
+            <a:r>
+              <a:rPr lang="en-US" sz="2400" dirty="0" smtClean="0"/>
+              <a:t>Nguyễn Đức Tuấn 	 –    </a:t>
+            </a:r>
+            <a:r>
+              <a:rPr lang="en-US" sz="2400" dirty="0" smtClean="0">
+                <a:latin typeface="Arial" panose="020B0604020202020204" pitchFamily="34" charset="0"/>
+                <a:cs typeface="Arial" panose="020B0604020202020204" pitchFamily="34" charset="0"/>
+              </a:rPr>
+              <a:t>16521546</a:t>
+            </a:r>
+          </a:p>
+          <a:p>
+            <a:r>
+              <a:rPr lang="en-US" sz="2400" dirty="0" smtClean="0"/>
+              <a:t>Trương Văn Nhất 	 –    </a:t>
+            </a:r>
+            <a:r>
+              <a:rPr lang="en-US" sz="2400" dirty="0" smtClean="0">
+                <a:latin typeface="Arial" panose="020B0604020202020204" pitchFamily="34" charset="0"/>
+                <a:cs typeface="Arial" panose="020B0604020202020204" pitchFamily="34" charset="0"/>
+              </a:rPr>
+              <a:t>16521759</a:t>
+            </a:r>
+            <a:endParaRPr lang="en-US" sz="2400" dirty="0">
+              <a:latin typeface="Arial" panose="020B0604020202020204" pitchFamily="34" charset="0"/>
+              <a:cs typeface="Arial" panose="020B0604020202020204" pitchFamily="34" charset="0"/>
+            </a:endParaRPr>
+          </a:p>
+        </p:txBody>
+      </p:sp>
+      <p:sp>
+        <p:nvSpPr>
+          <p:cNvPr id="4" name="Subtitle 2"/>
+          <p:cNvSpPr txBox="1">
+            <a:spLocks/>
+          </p:cNvSpPr>
+          <p:nvPr/>
+        </p:nvSpPr>
+        <p:spPr>
+          <a:xfrm>
+            <a:off x="6621611" y="3993008"/>
+            <a:ext cx="5010944" cy="1447093"/>
+          </a:xfrm>
+          <a:prstGeom prst="rect">
+            <a:avLst/>
+          </a:prstGeom>
+        </p:spPr>
+        <p:txBody>
+          <a:bodyPr vert="horz" lIns="91440" tIns="45720" rIns="91440" bIns="45720" rtlCol="0">
+            <a:noAutofit/>
+          </a:bodyPr>
+          <a:lstStyle>
+            <a:lvl1pPr marL="0" indent="0" algn="l" defTabSz="914400" rtl="0" eaLnBrk="1" latinLnBrk="0" hangingPunct="1">
+              <a:lnSpc>
+                <a:spcPct val="114000"/>
+              </a:lnSpc>
+              <a:spcBef>
+                <a:spcPts val="0"/>
+              </a:spcBef>
+              <a:buFont typeface="Arial" panose="020B0604020202020204" pitchFamily="34" charset="0"/>
+              <a:buNone/>
+              <a:defRPr sz="2000" b="0" i="1" kern="1200" baseline="0">
+                <a:solidFill>
+                  <a:schemeClr val="tx2"/>
+                </a:solidFill>
+                <a:latin typeface="+mn-lt"/>
+                <a:ea typeface="+mn-ea"/>
+                <a:cs typeface="+mn-cs"/>
+              </a:defRPr>
+            </a:lvl1pPr>
+            <a:lvl2pPr marL="457200" indent="0" algn="ctr" defTabSz="914400" rtl="0" eaLnBrk="1" latinLnBrk="0" hangingPunct="1">
+              <a:lnSpc>
+                <a:spcPct val="112000"/>
+              </a:lnSpc>
+              <a:spcBef>
+                <a:spcPts val="900"/>
+              </a:spcBef>
+              <a:buFont typeface="Corbel" panose="020B0503020204020204" pitchFamily="34" charset="0"/>
+              <a:buNone/>
+              <a:defRPr sz="2000" kern="1200" baseline="0">
+                <a:solidFill>
+                  <a:schemeClr val="tx1">
+                    <a:lumMod val="85000"/>
+                    <a:lumOff val="15000"/>
+                  </a:schemeClr>
+                </a:solidFill>
+                <a:latin typeface="+mn-lt"/>
+                <a:ea typeface="+mn-ea"/>
+                <a:cs typeface="+mn-cs"/>
+              </a:defRPr>
+            </a:lvl2pPr>
+            <a:lvl3pPr marL="914400" indent="0" algn="ctr" defTabSz="914400" rtl="0" eaLnBrk="1" latinLnBrk="0" hangingPunct="1">
+              <a:lnSpc>
+                <a:spcPct val="112000"/>
+              </a:lnSpc>
+              <a:spcBef>
+                <a:spcPts val="900"/>
+              </a:spcBef>
+              <a:buFont typeface="Arial" panose="020B0604020202020204" pitchFamily="34" charset="0"/>
+              <a:buNone/>
+              <a:defRPr sz="1800" kern="1200" baseline="0">
+                <a:solidFill>
+                  <a:schemeClr val="tx1">
+                    <a:lumMod val="85000"/>
+                    <a:lumOff val="15000"/>
+                  </a:schemeClr>
+                </a:solidFill>
+                <a:latin typeface="+mn-lt"/>
+                <a:ea typeface="+mn-ea"/>
+                <a:cs typeface="+mn-cs"/>
+              </a:defRPr>
+            </a:lvl3pPr>
+            <a:lvl4pPr marL="1371600" indent="0" algn="ctr" defTabSz="914400" rtl="0" eaLnBrk="1" latinLnBrk="0" hangingPunct="1">
+              <a:lnSpc>
+                <a:spcPct val="112000"/>
+              </a:lnSpc>
+              <a:spcBef>
+                <a:spcPts val="900"/>
+              </a:spcBef>
+              <a:buFont typeface="Corbel" panose="020B0503020204020204" pitchFamily="34" charset="0"/>
+              <a:buNone/>
+              <a:defRPr sz="1600" kern="1200" baseline="0">
+                <a:solidFill>
+                  <a:schemeClr val="tx1">
+                    <a:lumMod val="85000"/>
+                    <a:lumOff val="15000"/>
+                  </a:schemeClr>
+                </a:solidFill>
+                <a:latin typeface="+mn-lt"/>
+                <a:ea typeface="+mn-ea"/>
+                <a:cs typeface="+mn-cs"/>
+              </a:defRPr>
+            </a:lvl4pPr>
+            <a:lvl5pPr marL="1828800" indent="0" algn="ctr" defTabSz="914400" rtl="0" eaLnBrk="1" latinLnBrk="0" hangingPunct="1">
+              <a:lnSpc>
+                <a:spcPct val="112000"/>
+              </a:lnSpc>
+              <a:spcBef>
+                <a:spcPts val="900"/>
+              </a:spcBef>
+              <a:buFont typeface="Arial" panose="020B0604020202020204" pitchFamily="34" charset="0"/>
+              <a:buNone/>
+              <a:defRPr sz="1600" i="1" kern="1200" baseline="0">
+                <a:solidFill>
+                  <a:schemeClr val="tx1">
+                    <a:lumMod val="85000"/>
+                    <a:lumOff val="15000"/>
+                  </a:schemeClr>
+                </a:solidFill>
+                <a:latin typeface="+mn-lt"/>
+                <a:ea typeface="+mn-ea"/>
+                <a:cs typeface="+mn-cs"/>
+              </a:defRPr>
+            </a:lvl5pPr>
+            <a:lvl6pPr marL="2286000" indent="0" algn="ctr" defTabSz="914400" rtl="0" eaLnBrk="1" latinLnBrk="0" hangingPunct="1">
+              <a:lnSpc>
+                <a:spcPct val="112000"/>
+              </a:lnSpc>
+              <a:spcBef>
+                <a:spcPts val="1300"/>
+              </a:spcBef>
+              <a:buFont typeface="Corbel" panose="020B0503020204020204" pitchFamily="34" charset="0"/>
+              <a:buNone/>
+              <a:defRPr sz="1600" kern="1200">
+                <a:solidFill>
+                  <a:schemeClr val="tx1">
+                    <a:lumMod val="85000"/>
+                    <a:lumOff val="15000"/>
+                  </a:schemeClr>
+                </a:solidFill>
+                <a:latin typeface="+mn-lt"/>
+                <a:ea typeface="+mn-ea"/>
+                <a:cs typeface="+mn-cs"/>
+              </a:defRPr>
+            </a:lvl6pPr>
+            <a:lvl7pPr marL="2743200" indent="0" algn="ctr" defTabSz="914400" rtl="0" eaLnBrk="1" latinLnBrk="0" hangingPunct="1">
+              <a:lnSpc>
+                <a:spcPct val="112000"/>
+              </a:lnSpc>
+              <a:spcBef>
+                <a:spcPts val="1300"/>
+              </a:spcBef>
+              <a:buFont typeface="Arial" panose="020B0604020202020204" pitchFamily="34" charset="0"/>
+              <a:buNone/>
+              <a:defRPr sz="1600" i="1" kern="1200">
+                <a:solidFill>
+                  <a:schemeClr val="tx1">
+                    <a:lumMod val="85000"/>
+                    <a:lumOff val="15000"/>
+                  </a:schemeClr>
+                </a:solidFill>
+                <a:latin typeface="+mn-lt"/>
+                <a:ea typeface="+mn-ea"/>
+                <a:cs typeface="+mn-cs"/>
+              </a:defRPr>
+            </a:lvl7pPr>
+            <a:lvl8pPr marL="3200400" indent="0" algn="ctr" defTabSz="914400" rtl="0" eaLnBrk="1" latinLnBrk="0" hangingPunct="1">
+              <a:lnSpc>
+                <a:spcPct val="112000"/>
+              </a:lnSpc>
+              <a:spcBef>
+                <a:spcPts val="1300"/>
+              </a:spcBef>
+              <a:buFont typeface="Corbel" panose="020B0503020204020204" pitchFamily="34" charset="0"/>
+              <a:buNone/>
+              <a:defRPr sz="1600" kern="1200">
+                <a:solidFill>
+                  <a:schemeClr val="tx1">
+                    <a:lumMod val="85000"/>
+                    <a:lumOff val="15000"/>
+                  </a:schemeClr>
+                </a:solidFill>
+                <a:latin typeface="+mn-lt"/>
+                <a:ea typeface="+mn-ea"/>
+                <a:cs typeface="+mn-cs"/>
+              </a:defRPr>
+            </a:lvl8pPr>
+            <a:lvl9pPr marL="3657600" indent="0" algn="ctr" defTabSz="914400" rtl="0" eaLnBrk="1" latinLnBrk="0" hangingPunct="1">
+              <a:lnSpc>
+                <a:spcPct val="112000"/>
+              </a:lnSpc>
+              <a:spcBef>
+                <a:spcPts val="1300"/>
+              </a:spcBef>
+              <a:buFont typeface="Arial" panose="020B0604020202020204" pitchFamily="34" charset="0"/>
+              <a:buNone/>
+              <a:defRPr sz="1600" i="1" kern="1200" baseline="0">
+                <a:solidFill>
+                  <a:schemeClr val="tx1">
+                    <a:lumMod val="85000"/>
+                    <a:lumOff val="15000"/>
+                  </a:schemeClr>
+                </a:solidFill>
+                <a:latin typeface="+mn-lt"/>
+                <a:ea typeface="+mn-ea"/>
+                <a:cs typeface="+mn-cs"/>
+              </a:defRPr>
+            </a:lvl9pPr>
+          </a:lstStyle>
+          <a:p>
+            <a:r>
+              <a:rPr lang="en-US" dirty="0" smtClean="0"/>
+              <a:t>– GVHD</a:t>
+            </a:r>
+            <a:r>
+              <a:rPr lang="en-US" dirty="0"/>
+              <a:t> </a:t>
+            </a:r>
+            <a:r>
+              <a:rPr lang="en-US" dirty="0" smtClean="0"/>
+              <a:t>–</a:t>
+            </a:r>
+          </a:p>
+          <a:p>
+            <a:endParaRPr lang="en-US" dirty="0" smtClean="0"/>
+          </a:p>
+          <a:p>
+            <a:r>
+              <a:rPr lang="en-US" sz="2400" dirty="0" smtClean="0">
+                <a:latin typeface="Arial" panose="020B0604020202020204" pitchFamily="34" charset="0"/>
+                <a:cs typeface="Arial" panose="020B0604020202020204" pitchFamily="34" charset="0"/>
+              </a:rPr>
+              <a:t>Thầy Nguyễn Công Hoan</a:t>
+            </a:r>
+            <a:endParaRPr lang="en-US" sz="2400" dirty="0">
+              <a:latin typeface="Arial" panose="020B0604020202020204" pitchFamily="34" charset="0"/>
+              <a:cs typeface="Arial" panose="020B0604020202020204" pitchFamily="34" charset="0"/>
+            </a:endParaRPr>
           </a:p>
         </p:txBody>
       </p:sp>
@@ -4640,10 +4900,10 @@
           <a:lstStyle/>
           <a:p>
             <a:r>
-              <a:rPr lang="en-US" smtClean="0"/>
+              <a:rPr lang="en-US" dirty="0" smtClean="0"/>
               <a:t>Khái quát</a:t>
             </a:r>
-            <a:endParaRPr lang="en-US"/>
+            <a:endParaRPr lang="en-US" dirty="0"/>
           </a:p>
         </p:txBody>
       </p:sp>
@@ -4668,72 +4928,29 @@
           <a:lstStyle/>
           <a:p>
             <a:r>
-              <a:rPr lang="fr-FR" sz="3000" smtClean="0"/>
-              <a:t>Là một mô hình trong quá trình thiết kế</a:t>
-            </a:r>
-          </a:p>
-          <a:p>
-            <a:r>
-              <a:rPr lang="fr-FR" sz="3000" smtClean="0"/>
-              <a:t>Mô </a:t>
-            </a:r>
-            <a:r>
-              <a:rPr lang="fr-FR" sz="3000" err="1" smtClean="0"/>
-              <a:t>tả</a:t>
-            </a:r>
-            <a:r>
-              <a:rPr lang="fr-FR" sz="3000" smtClean="0"/>
-              <a:t> </a:t>
-            </a:r>
-            <a:r>
-              <a:rPr lang="fr-FR" sz="3000" err="1" smtClean="0"/>
-              <a:t>cách</a:t>
-            </a:r>
-            <a:r>
-              <a:rPr lang="fr-FR" sz="3000" smtClean="0"/>
-              <a:t> </a:t>
-            </a:r>
-            <a:r>
-              <a:rPr lang="fr-FR" sz="3000" err="1" smtClean="0"/>
-              <a:t>thức</a:t>
-            </a:r>
-            <a:r>
-              <a:rPr lang="fr-FR" sz="3000" smtClean="0"/>
-              <a:t> </a:t>
-            </a:r>
-            <a:r>
-              <a:rPr lang="fr-FR" sz="3000" err="1" smtClean="0"/>
-              <a:t>phần</a:t>
-            </a:r>
-            <a:r>
-              <a:rPr lang="fr-FR" sz="3000" smtClean="0"/>
-              <a:t> </a:t>
-            </a:r>
-            <a:r>
-              <a:rPr lang="fr-FR" sz="3000" err="1" smtClean="0"/>
-              <a:t>mềm</a:t>
-            </a:r>
-            <a:r>
-              <a:rPr lang="fr-FR" sz="3000" smtClean="0"/>
-              <a:t> </a:t>
-            </a:r>
-            <a:r>
-              <a:rPr lang="fr-FR" sz="3000" err="1" smtClean="0"/>
-              <a:t>hoạt</a:t>
-            </a:r>
-            <a:r>
-              <a:rPr lang="fr-FR" sz="3000" smtClean="0"/>
-              <a:t> động</a:t>
-            </a:r>
-          </a:p>
-          <a:p>
-            <a:r>
-              <a:rPr lang="en-US" sz="3000" smtClean="0"/>
+              <a:rPr lang="fr-FR" sz="3000" dirty="0" smtClean="0"/>
+              <a:t>Là một mô hình </a:t>
+            </a:r>
+            <a:r>
+              <a:rPr lang="fr-FR" sz="3000" dirty="0" smtClean="0"/>
+              <a:t>phát triển phần mềm</a:t>
+            </a:r>
+            <a:endParaRPr lang="fr-FR" sz="3000" dirty="0" smtClean="0"/>
+          </a:p>
+          <a:p>
+            <a:r>
+              <a:rPr lang="fr-FR" sz="3000" dirty="0" smtClean="0"/>
+              <a:t>Mô tả cách thức phần mềm hoạt động</a:t>
+            </a:r>
+          </a:p>
+          <a:p>
+            <a:r>
+              <a:rPr lang="en-US" sz="3000" dirty="0" smtClean="0"/>
               <a:t>Các prototype thường được làm nhanh trong thời gian ngắn, làm nhiều lần</a:t>
             </a:r>
           </a:p>
           <a:p>
-            <a:endParaRPr lang="en-US"/>
+            <a:endParaRPr lang="en-US" dirty="0"/>
           </a:p>
         </p:txBody>
       </p:sp>
@@ -5073,21 +5290,18 @@
               <a:rPr lang="en-US" sz="3000" smtClean="0"/>
               <a:t>Sketch (only for MAC)</a:t>
             </a:r>
-            <a:endParaRPr lang="en-US" sz="3000" smtClean="0"/>
           </a:p>
           <a:p>
             <a:r>
               <a:rPr lang="en-US" sz="3000" smtClean="0"/>
               <a:t>Invision (for MAC, windows is coming..)</a:t>
             </a:r>
-            <a:endParaRPr lang="en-US" sz="3000" smtClean="0"/>
           </a:p>
           <a:p>
             <a:r>
               <a:rPr lang="en-US" sz="3000" smtClean="0"/>
               <a:t>Axure RP</a:t>
             </a:r>
-            <a:endParaRPr lang="en-US" sz="3000" smtClean="0"/>
           </a:p>
           <a:p>
             <a:endParaRPr lang="en-US" sz="3000" smtClean="0"/>
